--- a/COARCT.pptx
+++ b/COARCT.pptx
@@ -6230,7 +6230,7 @@
           <a:p>
             <a:fld id="{AC4338AD-C8D2-0944-A0EB-33655442E799}" type="datetimeFigureOut">
               <a:rPr lang="en-US" smtClean="0"/>
-              <a:t>3/15/23</a:t>
+              <a:t>3/16/23</a:t>
             </a:fld>
             <a:endParaRPr lang="en-US"/>
           </a:p>
@@ -7066,7 +7066,7 @@
           <a:p>
             <a:fld id="{E45187EE-176A-9649-8D60-B7040D320742}" type="datetime1">
               <a:rPr lang="en-US" smtClean="0"/>
-              <a:t>3/15/23</a:t>
+              <a:t>3/16/23</a:t>
             </a:fld>
             <a:endParaRPr lang="en-US"/>
           </a:p>
@@ -7273,7 +7273,7 @@
           <a:p>
             <a:fld id="{5A8F741D-062B-6F4B-9F9B-0217EA826D72}" type="datetime1">
               <a:rPr lang="en-US" smtClean="0"/>
-              <a:t>3/15/23</a:t>
+              <a:t>3/16/23</a:t>
             </a:fld>
             <a:endParaRPr lang="en-US"/>
           </a:p>
@@ -7481,7 +7481,7 @@
           <a:p>
             <a:fld id="{6CC3671D-803A-FC4C-B089-F5EFB9C8EA44}" type="datetime1">
               <a:rPr lang="en-US" smtClean="0"/>
-              <a:t>3/15/23</a:t>
+              <a:t>3/16/23</a:t>
             </a:fld>
             <a:endParaRPr lang="en-US"/>
           </a:p>
@@ -7679,7 +7679,7 @@
           <a:p>
             <a:fld id="{D6F88C79-A60D-3945-8999-B9127F26286B}" type="datetime1">
               <a:rPr lang="en-US" smtClean="0"/>
-              <a:t>3/15/23</a:t>
+              <a:t>3/16/23</a:t>
             </a:fld>
             <a:endParaRPr lang="en-US"/>
           </a:p>
@@ -7954,7 +7954,7 @@
           <a:p>
             <a:fld id="{E3D458DD-5B0E-2246-BB65-5B4CE2D5F729}" type="datetime1">
               <a:rPr lang="en-US" smtClean="0"/>
-              <a:t>3/15/23</a:t>
+              <a:t>3/16/23</a:t>
             </a:fld>
             <a:endParaRPr lang="en-US"/>
           </a:p>
@@ -8219,7 +8219,7 @@
           <a:p>
             <a:fld id="{C8E58B21-C55D-1141-B626-CE493CF5964C}" type="datetime1">
               <a:rPr lang="en-US" smtClean="0"/>
-              <a:t>3/15/23</a:t>
+              <a:t>3/16/23</a:t>
             </a:fld>
             <a:endParaRPr lang="en-US"/>
           </a:p>
@@ -8631,7 +8631,7 @@
           <a:p>
             <a:fld id="{FF3FF9C2-CB3B-0B49-831B-C48C38246E57}" type="datetime1">
               <a:rPr lang="en-US" smtClean="0"/>
-              <a:t>3/15/23</a:t>
+              <a:t>3/16/23</a:t>
             </a:fld>
             <a:endParaRPr lang="en-US"/>
           </a:p>
@@ -8772,7 +8772,7 @@
           <a:p>
             <a:fld id="{CD8AB0E1-FB5A-1D41-9628-E5A5AC886F8E}" type="datetime1">
               <a:rPr lang="en-US" smtClean="0"/>
-              <a:t>3/15/23</a:t>
+              <a:t>3/16/23</a:t>
             </a:fld>
             <a:endParaRPr lang="en-US"/>
           </a:p>
@@ -8885,7 +8885,7 @@
           <a:p>
             <a:fld id="{DDF1F1EB-CF13-7647-9FF3-FC50A9BFA213}" type="datetime1">
               <a:rPr lang="en-US" smtClean="0"/>
-              <a:t>3/15/23</a:t>
+              <a:t>3/16/23</a:t>
             </a:fld>
             <a:endParaRPr lang="en-US"/>
           </a:p>
@@ -9196,7 +9196,7 @@
           <a:p>
             <a:fld id="{E8238364-774D-0546-AA2E-B01E020E1D73}" type="datetime1">
               <a:rPr lang="en-US" smtClean="0"/>
-              <a:t>3/15/23</a:t>
+              <a:t>3/16/23</a:t>
             </a:fld>
             <a:endParaRPr lang="en-US"/>
           </a:p>
@@ -9484,7 +9484,7 @@
           <a:p>
             <a:fld id="{8283D30C-A1F1-C840-BEDF-B1DB753466C3}" type="datetime1">
               <a:rPr lang="en-US" smtClean="0"/>
-              <a:t>3/15/23</a:t>
+              <a:t>3/16/23</a:t>
             </a:fld>
             <a:endParaRPr lang="en-US"/>
           </a:p>
@@ -9725,7 +9725,7 @@
           <a:p>
             <a:fld id="{B9EFB635-976C-DA4E-BEA1-9B3901723B60}" type="datetime1">
               <a:rPr lang="en-US" smtClean="0"/>
-              <a:t>3/15/23</a:t>
+              <a:t>3/16/23</a:t>
             </a:fld>
             <a:endParaRPr lang="en-US"/>
           </a:p>
@@ -16281,13 +16281,13 @@
   <p:clrMapOvr>
     <a:masterClrMapping/>
   </p:clrMapOvr>
-  <mc:AlternateContent xmlns:mc="http://schemas.openxmlformats.org/markup-compatibility/2006">
-    <mc:Choice xmlns:p159="http://schemas.microsoft.com/office/powerpoint/2015/09/main" Requires="p159">
+  <mc:AlternateContent xmlns:mc="http://schemas.openxmlformats.org/markup-compatibility/2006" xmlns:p159="http://schemas.microsoft.com/office/powerpoint/2015/09/main">
+    <mc:Choice Requires="p159">
       <p:transition xmlns:p14="http://schemas.microsoft.com/office/powerpoint/2010/main" spd="slow" p14:dur="2000">
         <p159:morph option="byObject"/>
       </p:transition>
     </mc:Choice>
-    <mc:Fallback>
+    <mc:Fallback xmlns="">
       <p:transition spd="slow">
         <p:fade/>
       </p:transition>
@@ -27321,13 +27321,13 @@
   <p:clrMapOvr>
     <a:masterClrMapping/>
   </p:clrMapOvr>
-  <mc:AlternateContent xmlns:mc="http://schemas.openxmlformats.org/markup-compatibility/2006">
-    <mc:Choice xmlns:p159="http://schemas.microsoft.com/office/powerpoint/2015/09/main" Requires="p159">
+  <mc:AlternateContent xmlns:mc="http://schemas.openxmlformats.org/markup-compatibility/2006" xmlns:p159="http://schemas.microsoft.com/office/powerpoint/2015/09/main">
+    <mc:Choice Requires="p159">
       <p:transition xmlns:p14="http://schemas.microsoft.com/office/powerpoint/2010/main" spd="slow" p14:dur="2000">
         <p159:morph option="byObject"/>
       </p:transition>
     </mc:Choice>
-    <mc:Fallback>
+    <mc:Fallback xmlns="">
       <p:transition spd="slow">
         <p:fade/>
       </p:transition>
@@ -29345,13 +29345,13 @@
   <p:clrMapOvr>
     <a:masterClrMapping/>
   </p:clrMapOvr>
-  <mc:AlternateContent xmlns:mc="http://schemas.openxmlformats.org/markup-compatibility/2006">
-    <mc:Choice xmlns:p159="http://schemas.microsoft.com/office/powerpoint/2015/09/main" Requires="p159">
+  <mc:AlternateContent xmlns:mc="http://schemas.openxmlformats.org/markup-compatibility/2006" xmlns:p159="http://schemas.microsoft.com/office/powerpoint/2015/09/main">
+    <mc:Choice Requires="p159">
       <p:transition xmlns:p14="http://schemas.microsoft.com/office/powerpoint/2010/main" spd="slow" p14:dur="2000">
         <p159:morph option="byWord"/>
       </p:transition>
     </mc:Choice>
-    <mc:Fallback>
+    <mc:Fallback xmlns="">
       <p:transition spd="slow">
         <p:fade/>
       </p:transition>
@@ -31191,6 +31191,18 @@
   <p:clrMapOvr>
     <a:masterClrMapping/>
   </p:clrMapOvr>
+  <mc:AlternateContent xmlns:mc="http://schemas.openxmlformats.org/markup-compatibility/2006">
+    <mc:Choice xmlns:p159="http://schemas.microsoft.com/office/powerpoint/2015/09/main" Requires="p159">
+      <p:transition xmlns:p14="http://schemas.microsoft.com/office/powerpoint/2010/main" spd="slow" p14:dur="2000">
+        <p159:morph option="byObject"/>
+      </p:transition>
+    </mc:Choice>
+    <mc:Fallback>
+      <p:transition spd="slow">
+        <p:fade/>
+      </p:transition>
+    </mc:Fallback>
+  </mc:AlternateContent>
 </p:sld>
 </file>
 
@@ -31295,8 +31307,8 @@
           </a:p>
         </p:txBody>
       </p:sp>
-      <mc:AlternateContent xmlns:mc="http://schemas.openxmlformats.org/markup-compatibility/2006">
-        <mc:Choice xmlns:a14="http://schemas.microsoft.com/office/drawing/2010/main" Requires="a14">
+      <mc:AlternateContent xmlns:mc="http://schemas.openxmlformats.org/markup-compatibility/2006" xmlns:a14="http://schemas.microsoft.com/office/drawing/2010/main">
+        <mc:Choice Requires="a14">
           <p:sp>
             <p:nvSpPr>
               <p:cNvPr id="2" name="Title 1">
@@ -31398,7 +31410,7 @@
             </p:txBody>
           </p:sp>
         </mc:Choice>
-        <mc:Fallback>
+        <mc:Fallback xmlns="">
           <p:sp>
             <p:nvSpPr>
               <p:cNvPr id="2" name="Title 1">
@@ -32777,13 +32789,13 @@
   <p:clrMapOvr>
     <a:masterClrMapping/>
   </p:clrMapOvr>
-  <mc:AlternateContent xmlns:mc="http://schemas.openxmlformats.org/markup-compatibility/2006">
-    <mc:Choice xmlns:p159="http://schemas.microsoft.com/office/powerpoint/2015/09/main" Requires="p159">
+  <mc:AlternateContent xmlns:mc="http://schemas.openxmlformats.org/markup-compatibility/2006" xmlns:p159="http://schemas.microsoft.com/office/powerpoint/2015/09/main">
+    <mc:Choice Requires="p159">
       <p:transition xmlns:p14="http://schemas.microsoft.com/office/powerpoint/2010/main" spd="slow" p14:dur="2000">
         <p159:morph option="byObject"/>
       </p:transition>
     </mc:Choice>
-    <mc:Fallback>
+    <mc:Fallback xmlns="">
       <p:transition spd="slow">
         <p:fade/>
       </p:transition>
@@ -35136,13 +35148,13 @@
   <p:clrMapOvr>
     <a:masterClrMapping/>
   </p:clrMapOvr>
-  <mc:AlternateContent xmlns:mc="http://schemas.openxmlformats.org/markup-compatibility/2006">
-    <mc:Choice xmlns:p159="http://schemas.microsoft.com/office/powerpoint/2015/09/main" Requires="p159">
+  <mc:AlternateContent xmlns:mc="http://schemas.openxmlformats.org/markup-compatibility/2006" xmlns:p159="http://schemas.microsoft.com/office/powerpoint/2015/09/main">
+    <mc:Choice Requires="p159">
       <p:transition xmlns:p14="http://schemas.microsoft.com/office/powerpoint/2010/main" spd="slow" p14:dur="2000">
         <p159:morph option="byObject"/>
       </p:transition>
     </mc:Choice>
-    <mc:Fallback>
+    <mc:Fallback xmlns="">
       <p:transition spd="slow">
         <p:fade/>
       </p:transition>
